--- a/Labs/Week3/Week three - lab one.pptx
+++ b/Labs/Week3/Week three - lab one.pptx
@@ -244,7 +244,7 @@
           <a:p>
             <a:fld id="{DD4D6C24-C5FE-4E1B-BD59-08DAC2D82EED}" type="datetimeFigureOut">
               <a:rPr lang="en-US" smtClean="0"/>
-              <a:t>1/7/2015</a:t>
+              <a:t>1/9/2015</a:t>
             </a:fld>
             <a:endParaRPr lang="en-US"/>
           </a:p>
@@ -414,7 +414,7 @@
           <a:p>
             <a:fld id="{DD4D6C24-C5FE-4E1B-BD59-08DAC2D82EED}" type="datetimeFigureOut">
               <a:rPr lang="en-US" smtClean="0"/>
-              <a:t>1/7/2015</a:t>
+              <a:t>1/9/2015</a:t>
             </a:fld>
             <a:endParaRPr lang="en-US"/>
           </a:p>
@@ -594,7 +594,7 @@
           <a:p>
             <a:fld id="{DD4D6C24-C5FE-4E1B-BD59-08DAC2D82EED}" type="datetimeFigureOut">
               <a:rPr lang="en-US" smtClean="0"/>
-              <a:t>1/7/2015</a:t>
+              <a:t>1/9/2015</a:t>
             </a:fld>
             <a:endParaRPr lang="en-US"/>
           </a:p>
@@ -764,7 +764,7 @@
           <a:p>
             <a:fld id="{DD4D6C24-C5FE-4E1B-BD59-08DAC2D82EED}" type="datetimeFigureOut">
               <a:rPr lang="en-US" smtClean="0"/>
-              <a:t>1/7/2015</a:t>
+              <a:t>1/9/2015</a:t>
             </a:fld>
             <a:endParaRPr lang="en-US"/>
           </a:p>
@@ -1010,7 +1010,7 @@
           <a:p>
             <a:fld id="{DD4D6C24-C5FE-4E1B-BD59-08DAC2D82EED}" type="datetimeFigureOut">
               <a:rPr lang="en-US" smtClean="0"/>
-              <a:t>1/7/2015</a:t>
+              <a:t>1/9/2015</a:t>
             </a:fld>
             <a:endParaRPr lang="en-US"/>
           </a:p>
@@ -1242,7 +1242,7 @@
           <a:p>
             <a:fld id="{DD4D6C24-C5FE-4E1B-BD59-08DAC2D82EED}" type="datetimeFigureOut">
               <a:rPr lang="en-US" smtClean="0"/>
-              <a:t>1/7/2015</a:t>
+              <a:t>1/9/2015</a:t>
             </a:fld>
             <a:endParaRPr lang="en-US"/>
           </a:p>
@@ -1609,7 +1609,7 @@
           <a:p>
             <a:fld id="{DD4D6C24-C5FE-4E1B-BD59-08DAC2D82EED}" type="datetimeFigureOut">
               <a:rPr lang="en-US" smtClean="0"/>
-              <a:t>1/7/2015</a:t>
+              <a:t>1/9/2015</a:t>
             </a:fld>
             <a:endParaRPr lang="en-US"/>
           </a:p>
@@ -1727,7 +1727,7 @@
           <a:p>
             <a:fld id="{DD4D6C24-C5FE-4E1B-BD59-08DAC2D82EED}" type="datetimeFigureOut">
               <a:rPr lang="en-US" smtClean="0"/>
-              <a:t>1/7/2015</a:t>
+              <a:t>1/9/2015</a:t>
             </a:fld>
             <a:endParaRPr lang="en-US"/>
           </a:p>
@@ -1822,7 +1822,7 @@
           <a:p>
             <a:fld id="{DD4D6C24-C5FE-4E1B-BD59-08DAC2D82EED}" type="datetimeFigureOut">
               <a:rPr lang="en-US" smtClean="0"/>
-              <a:t>1/7/2015</a:t>
+              <a:t>1/9/2015</a:t>
             </a:fld>
             <a:endParaRPr lang="en-US"/>
           </a:p>
@@ -2099,7 +2099,7 @@
           <a:p>
             <a:fld id="{DD4D6C24-C5FE-4E1B-BD59-08DAC2D82EED}" type="datetimeFigureOut">
               <a:rPr lang="en-US" smtClean="0"/>
-              <a:t>1/7/2015</a:t>
+              <a:t>1/9/2015</a:t>
             </a:fld>
             <a:endParaRPr lang="en-US"/>
           </a:p>
@@ -2352,7 +2352,7 @@
           <a:p>
             <a:fld id="{DD4D6C24-C5FE-4E1B-BD59-08DAC2D82EED}" type="datetimeFigureOut">
               <a:rPr lang="en-US" smtClean="0"/>
-              <a:t>1/7/2015</a:t>
+              <a:t>1/9/2015</a:t>
             </a:fld>
             <a:endParaRPr lang="en-US"/>
           </a:p>
@@ -2565,7 +2565,7 @@
           <a:p>
             <a:fld id="{DD4D6C24-C5FE-4E1B-BD59-08DAC2D82EED}" type="datetimeFigureOut">
               <a:rPr lang="en-US" smtClean="0"/>
-              <a:t>1/7/2015</a:t>
+              <a:t>1/9/2015</a:t>
             </a:fld>
             <a:endParaRPr lang="en-US"/>
           </a:p>
@@ -3016,7 +3016,7 @@
             </a:pPr>
             <a:r>
               <a:rPr lang="en-US" dirty="0" smtClean="0"/>
-              <a:t>Update SubmitAlbum.html to add the first section for the form</a:t>
+              <a:t>Update SubmitAlbum.html to add form</a:t>
             </a:r>
           </a:p>
           <a:p>
@@ -3026,8 +3026,48 @@
             </a:pPr>
             <a:r>
               <a:rPr lang="en-US" dirty="0" smtClean="0"/>
-              <a:t>See the wireframe for the fields</a:t>
-            </a:r>
+              <a:t>Put the form element on the outside of the accordion</a:t>
+            </a:r>
+            <a:br>
+              <a:rPr lang="en-US" dirty="0" smtClean="0"/>
+            </a:br>
+            <a:r>
+              <a:rPr lang="en-US" dirty="0" smtClean="0">
+                <a:latin typeface="Consolas" panose="020B0609020204030204" pitchFamily="49" charset="0"/>
+                <a:cs typeface="Consolas" panose="020B0609020204030204" pitchFamily="49" charset="0"/>
+              </a:rPr>
+              <a:t>    &lt;form class="form-horizontal" role="form"&gt;</a:t>
+            </a:r>
+            <a:br>
+              <a:rPr lang="en-US" dirty="0" smtClean="0">
+                <a:latin typeface="Consolas" panose="020B0609020204030204" pitchFamily="49" charset="0"/>
+                <a:cs typeface="Consolas" panose="020B0609020204030204" pitchFamily="49" charset="0"/>
+              </a:rPr>
+            </a:br>
+            <a:r>
+              <a:rPr lang="en-US" dirty="0" smtClean="0">
+                <a:latin typeface="Consolas" panose="020B0609020204030204" pitchFamily="49" charset="0"/>
+                <a:cs typeface="Consolas" panose="020B0609020204030204" pitchFamily="49" charset="0"/>
+              </a:rPr>
+              <a:t>        &lt;div class="panel panel-default"&gt;</a:t>
+            </a:r>
+            <a:br>
+              <a:rPr lang="en-US" dirty="0" smtClean="0">
+                <a:latin typeface="Consolas" panose="020B0609020204030204" pitchFamily="49" charset="0"/>
+                <a:cs typeface="Consolas" panose="020B0609020204030204" pitchFamily="49" charset="0"/>
+              </a:rPr>
+            </a:br>
+            <a:r>
+              <a:rPr lang="en-US" dirty="0" smtClean="0">
+                <a:latin typeface="Consolas" panose="020B0609020204030204" pitchFamily="49" charset="0"/>
+                <a:cs typeface="Consolas" panose="020B0609020204030204" pitchFamily="49" charset="0"/>
+              </a:rPr>
+              <a:t>            &lt;!-- accordion below --&gt;</a:t>
+            </a:r>
+            <a:endParaRPr lang="en-US" dirty="0" smtClean="0">
+              <a:latin typeface="Consolas" panose="020B0609020204030204" pitchFamily="49" charset="0"/>
+              <a:cs typeface="Consolas" panose="020B0609020204030204" pitchFamily="49" charset="0"/>
+            </a:endParaRPr>
           </a:p>
           <a:p>
             <a:pPr marL="514350" indent="-514350">
@@ -3036,13 +3076,63 @@
             </a:pPr>
             <a:r>
               <a:rPr lang="en-US" dirty="0" smtClean="0"/>
-              <a:t>Feel free to add additional sections </a:t>
-            </a:r>
-            <a:r>
-              <a:rPr lang="en-US" smtClean="0"/>
-              <a:t>for practice</a:t>
+              <a:t>Update </a:t>
+            </a:r>
+            <a:r>
+              <a:rPr lang="en-US" dirty="0" smtClean="0"/>
+              <a:t>SubmitAlbum.html to add the first section for the form</a:t>
+            </a:r>
+          </a:p>
+          <a:p>
+            <a:pPr marL="971550" lvl="1" indent="-514350">
+              <a:buFont typeface="+mj-lt"/>
+              <a:buAutoNum type="arabicPeriod"/>
+            </a:pPr>
+            <a:r>
+              <a:rPr lang="en-US" dirty="0" smtClean="0"/>
+              <a:t>Add the following fields:</a:t>
+            </a:r>
+          </a:p>
+          <a:p>
+            <a:pPr marL="1428750" lvl="2" indent="-514350">
+              <a:buFont typeface="+mj-lt"/>
+              <a:buAutoNum type="arabicPeriod"/>
+            </a:pPr>
+            <a:r>
+              <a:rPr lang="en-US" dirty="0" smtClean="0"/>
+              <a:t>Artist title (with ID of artist-title)</a:t>
+            </a:r>
+          </a:p>
+          <a:p>
+            <a:pPr marL="1428750" lvl="2" indent="-514350">
+              <a:buFont typeface="+mj-lt"/>
+              <a:buAutoNum type="arabicPeriod"/>
+            </a:pPr>
+            <a:r>
+              <a:rPr lang="en-US" dirty="0" smtClean="0"/>
+              <a:t>Album name (with ID of album-name)</a:t>
+            </a:r>
+          </a:p>
+          <a:p>
+            <a:pPr marL="971550" lvl="1" indent="-514350">
+              <a:buFont typeface="+mj-lt"/>
+              <a:buAutoNum type="arabicPeriod"/>
+            </a:pPr>
+            <a:r>
+              <a:rPr lang="en-US" dirty="0" smtClean="0"/>
+              <a:t>Tip: Use the Bootstrap snippets</a:t>
             </a:r>
             <a:endParaRPr lang="en-US" dirty="0" smtClean="0"/>
+          </a:p>
+          <a:p>
+            <a:pPr marL="514350" indent="-514350">
+              <a:buFont typeface="+mj-lt"/>
+              <a:buAutoNum type="arabicPeriod"/>
+            </a:pPr>
+            <a:r>
+              <a:rPr lang="en-US" dirty="0" smtClean="0"/>
+              <a:t>Feel free to add additional sections for practice</a:t>
+            </a:r>
           </a:p>
         </p:txBody>
       </p:sp>
@@ -4294,11 +4384,7 @@
           <a:p>
             <a:r>
               <a:rPr lang="en-US" sz="2000" dirty="0" smtClean="0"/>
-              <a:t>Artis</a:t>
-            </a:r>
-            <a:r>
-              <a:rPr lang="en-US" sz="2000" dirty="0" smtClean="0"/>
-              <a:t>t Name:</a:t>
+              <a:t>Artist Name:</a:t>
             </a:r>
           </a:p>
           <a:p>
@@ -4309,7 +4395,6 @@
               <a:rPr lang="en-US" sz="2000" dirty="0" smtClean="0"/>
               <a:t>Album Title:</a:t>
             </a:r>
-            <a:endParaRPr lang="en-US" sz="2000" dirty="0" smtClean="0"/>
           </a:p>
         </p:txBody>
       </p:sp>
@@ -4792,30 +4877,30 @@
 
 <file path=customXml/item1.xml><?xml version="1.0" encoding="utf-8"?>
 <Control xmlns="http://schemas.microsoft.com/VisualStudio/2011/storyboarding/control">
-  <Id Name="System.Storyboarding.Backgrounds.WebBrowser" Revision="1" Stencil="System.Storyboarding.Backgrounds" StencilVersion="0.1"/>
+  <Id Name="System.Storyboarding.Common.TextInput" Revision="1" Stencil="System.Storyboarding.Common" StencilVersion="0.1"/>
 </Control>
 </file>
 
 <file path=customXml/item2.xml><?xml version="1.0" encoding="utf-8"?>
 <Control xmlns="http://schemas.microsoft.com/VisualStudio/2011/storyboarding/control">
-  <Id Name="System.Storyboarding.Common.Button" Revision="1" Stencil="System.Storyboarding.Common" StencilVersion="0.1"/>
+  <Id Name="System.Storyboarding.Common.TextInput" Revision="1" Stencil="System.Storyboarding.Common" StencilVersion="0.1"/>
 </Control>
 </file>
 
 <file path=customXml/item3.xml><?xml version="1.0" encoding="utf-8"?>
 <Control xmlns="http://schemas.microsoft.com/VisualStudio/2011/storyboarding/control">
-  <Id Name="System.Storyboarding.Common.TextInput" Revision="1" Stencil="System.Storyboarding.Common" StencilVersion="0.1"/>
+  <Id Name="System.Storyboarding.Common.Button" Revision="1" Stencil="System.Storyboarding.Common" StencilVersion="0.1"/>
 </Control>
 </file>
 
 <file path=customXml/item4.xml><?xml version="1.0" encoding="utf-8"?>
 <Control xmlns="http://schemas.microsoft.com/VisualStudio/2011/storyboarding/control">
-  <Id Name="System.Storyboarding.Common.TextInput" Revision="1" Stencil="System.Storyboarding.Common" StencilVersion="0.1"/>
+  <Id Name="System.Storyboarding.Backgrounds.WebBrowser" Revision="1" Stencil="System.Storyboarding.Backgrounds" StencilVersion="0.1"/>
 </Control>
 </file>
 
 <file path=customXml/itemProps1.xml><?xml version="1.0" encoding="utf-8"?>
-<ds:datastoreItem xmlns:ds="http://schemas.openxmlformats.org/officeDocument/2006/customXml" ds:itemID="{C5CAB388-6F11-44FF-8CCD-12F1D297DE8E}">
+<ds:datastoreItem xmlns:ds="http://schemas.openxmlformats.org/officeDocument/2006/customXml" ds:itemID="{B6641DAC-356B-4882-94FB-F36D2B175E12}">
   <ds:schemaRefs>
     <ds:schemaRef ds:uri="http://schemas.microsoft.com/VisualStudio/2011/storyboarding/control"/>
   </ds:schemaRefs>
@@ -4823,6 +4908,14 @@
 </file>
 
 <file path=customXml/itemProps2.xml><?xml version="1.0" encoding="utf-8"?>
+<ds:datastoreItem xmlns:ds="http://schemas.openxmlformats.org/officeDocument/2006/customXml" ds:itemID="{89FEEE19-90D2-4F70-BB41-3E7C10675618}">
+  <ds:schemaRefs>
+    <ds:schemaRef ds:uri="http://schemas.microsoft.com/VisualStudio/2011/storyboarding/control"/>
+  </ds:schemaRefs>
+</ds:datastoreItem>
+</file>
+
+<file path=customXml/itemProps3.xml><?xml version="1.0" encoding="utf-8"?>
 <ds:datastoreItem xmlns:ds="http://schemas.openxmlformats.org/officeDocument/2006/customXml" ds:itemID="{B15C8C54-766A-4DA6-844E-B5442A473045}">
   <ds:schemaRefs>
     <ds:schemaRef ds:uri="http://schemas.microsoft.com/VisualStudio/2011/storyboarding/control"/>
@@ -4830,16 +4923,8 @@
 </ds:datastoreItem>
 </file>
 
-<file path=customXml/itemProps3.xml><?xml version="1.0" encoding="utf-8"?>
-<ds:datastoreItem xmlns:ds="http://schemas.openxmlformats.org/officeDocument/2006/customXml" ds:itemID="{89FEEE19-90D2-4F70-BB41-3E7C10675618}">
-  <ds:schemaRefs>
-    <ds:schemaRef ds:uri="http://schemas.microsoft.com/VisualStudio/2011/storyboarding/control"/>
-  </ds:schemaRefs>
-</ds:datastoreItem>
-</file>
-
 <file path=customXml/itemProps4.xml><?xml version="1.0" encoding="utf-8"?>
-<ds:datastoreItem xmlns:ds="http://schemas.openxmlformats.org/officeDocument/2006/customXml" ds:itemID="{B6641DAC-356B-4882-94FB-F36D2B175E12}">
+<ds:datastoreItem xmlns:ds="http://schemas.openxmlformats.org/officeDocument/2006/customXml" ds:itemID="{C5CAB388-6F11-44FF-8CCD-12F1D297DE8E}">
   <ds:schemaRefs>
     <ds:schemaRef ds:uri="http://schemas.microsoft.com/VisualStudio/2011/storyboarding/control"/>
   </ds:schemaRefs>
